--- a/JS/02. For, While, do While loops/JS_02.pptx
+++ b/JS/02. For, While, do While loops/JS_02.pptx
@@ -7,12 +7,12 @@
   <p:sldIdLst>
     <p:sldId id="256" r:id="rId2"/>
     <p:sldId id="258" r:id="rId3"/>
-    <p:sldId id="259" r:id="rId4"/>
-    <p:sldId id="260" r:id="rId5"/>
-    <p:sldId id="261" r:id="rId6"/>
-    <p:sldId id="262" r:id="rId7"/>
-    <p:sldId id="263" r:id="rId8"/>
-    <p:sldId id="264" r:id="rId9"/>
+    <p:sldId id="265" r:id="rId4"/>
+    <p:sldId id="266" r:id="rId5"/>
+    <p:sldId id="267" r:id="rId6"/>
+    <p:sldId id="268" r:id="rId7"/>
+    <p:sldId id="269" r:id="rId8"/>
+    <p:sldId id="270" r:id="rId9"/>
   </p:sldIdLst>
   <p:sldSz cx="12192000" cy="6858000"/>
   <p:notesSz cx="6858000" cy="9144000"/>
@@ -332,7 +332,7 @@
           <a:p>
             <a:fld id="{4DE3B8FE-1D2D-49AE-BFC8-FB35E95B8F74}" type="datetimeFigureOut">
               <a:rPr lang="en-US" smtClean="0"/>
-              <a:t>11/17/2024</a:t>
+              <a:t>11/19/2024</a:t>
             </a:fld>
             <a:endParaRPr lang="en-US"/>
           </a:p>
@@ -623,7 +623,7 @@
           <a:p>
             <a:fld id="{4DE3B8FE-1D2D-49AE-BFC8-FB35E95B8F74}" type="datetimeFigureOut">
               <a:rPr lang="en-US" smtClean="0"/>
-              <a:t>11/17/2024</a:t>
+              <a:t>11/19/2024</a:t>
             </a:fld>
             <a:endParaRPr lang="en-US"/>
           </a:p>
@@ -882,7 +882,7 @@
           <a:p>
             <a:fld id="{4DE3B8FE-1D2D-49AE-BFC8-FB35E95B8F74}" type="datetimeFigureOut">
               <a:rPr lang="en-US" smtClean="0"/>
-              <a:t>11/17/2024</a:t>
+              <a:t>11/19/2024</a:t>
             </a:fld>
             <a:endParaRPr lang="en-US"/>
           </a:p>
@@ -1351,7 +1351,7 @@
           <a:p>
             <a:fld id="{4DE3B8FE-1D2D-49AE-BFC8-FB35E95B8F74}" type="datetimeFigureOut">
               <a:rPr lang="en-US" smtClean="0"/>
-              <a:t>11/17/2024</a:t>
+              <a:t>11/19/2024</a:t>
             </a:fld>
             <a:endParaRPr lang="en-US"/>
           </a:p>
@@ -1531,7 +1531,7 @@
           <a:p>
             <a:fld id="{4DE3B8FE-1D2D-49AE-BFC8-FB35E95B8F74}" type="datetimeFigureOut">
               <a:rPr lang="en-US" smtClean="0"/>
-              <a:t>11/17/2024</a:t>
+              <a:t>11/19/2024</a:t>
             </a:fld>
             <a:endParaRPr lang="en-US"/>
           </a:p>
@@ -2107,7 +2107,7 @@
           <a:p>
             <a:fld id="{4DE3B8FE-1D2D-49AE-BFC8-FB35E95B8F74}" type="datetimeFigureOut">
               <a:rPr lang="en-US" smtClean="0"/>
-              <a:t>11/17/2024</a:t>
+              <a:t>11/19/2024</a:t>
             </a:fld>
             <a:endParaRPr lang="en-US"/>
           </a:p>
@@ -2439,7 +2439,7 @@
           <a:p>
             <a:fld id="{4DE3B8FE-1D2D-49AE-BFC8-FB35E95B8F74}" type="datetimeFigureOut">
               <a:rPr lang="en-US" smtClean="0"/>
-              <a:t>11/17/2024</a:t>
+              <a:t>11/19/2024</a:t>
             </a:fld>
             <a:endParaRPr lang="en-US"/>
           </a:p>
@@ -2614,7 +2614,7 @@
           <a:p>
             <a:fld id="{4DE3B8FE-1D2D-49AE-BFC8-FB35E95B8F74}" type="datetimeFigureOut">
               <a:rPr lang="en-US" smtClean="0"/>
-              <a:t>11/17/2024</a:t>
+              <a:t>11/19/2024</a:t>
             </a:fld>
             <a:endParaRPr lang="en-US"/>
           </a:p>
@@ -2794,7 +2794,7 @@
           <a:p>
             <a:fld id="{4DE3B8FE-1D2D-49AE-BFC8-FB35E95B8F74}" type="datetimeFigureOut">
               <a:rPr lang="en-US" smtClean="0"/>
-              <a:t>11/17/2024</a:t>
+              <a:t>11/19/2024</a:t>
             </a:fld>
             <a:endParaRPr lang="en-US"/>
           </a:p>
@@ -2964,7 +2964,7 @@
           <a:p>
             <a:fld id="{4DE3B8FE-1D2D-49AE-BFC8-FB35E95B8F74}" type="datetimeFigureOut">
               <a:rPr lang="en-US" smtClean="0"/>
-              <a:t>11/17/2024</a:t>
+              <a:t>11/19/2024</a:t>
             </a:fld>
             <a:endParaRPr lang="en-US"/>
           </a:p>
@@ -3221,7 +3221,7 @@
           <a:p>
             <a:fld id="{4DE3B8FE-1D2D-49AE-BFC8-FB35E95B8F74}" type="datetimeFigureOut">
               <a:rPr lang="en-US" smtClean="0"/>
-              <a:t>11/17/2024</a:t>
+              <a:t>11/19/2024</a:t>
             </a:fld>
             <a:endParaRPr lang="en-US"/>
           </a:p>
@@ -3513,7 +3513,7 @@
           <a:p>
             <a:fld id="{4DE3B8FE-1D2D-49AE-BFC8-FB35E95B8F74}" type="datetimeFigureOut">
               <a:rPr lang="en-US" smtClean="0"/>
-              <a:t>11/17/2024</a:t>
+              <a:t>11/19/2024</a:t>
             </a:fld>
             <a:endParaRPr lang="en-US"/>
           </a:p>
@@ -3943,7 +3943,7 @@
           <a:p>
             <a:fld id="{4DE3B8FE-1D2D-49AE-BFC8-FB35E95B8F74}" type="datetimeFigureOut">
               <a:rPr lang="en-US" smtClean="0"/>
-              <a:t>11/17/2024</a:t>
+              <a:t>11/19/2024</a:t>
             </a:fld>
             <a:endParaRPr lang="en-US"/>
           </a:p>
@@ -4061,7 +4061,7 @@
           <a:p>
             <a:fld id="{4DE3B8FE-1D2D-49AE-BFC8-FB35E95B8F74}" type="datetimeFigureOut">
               <a:rPr lang="en-US" smtClean="0"/>
-              <a:t>11/17/2024</a:t>
+              <a:t>11/19/2024</a:t>
             </a:fld>
             <a:endParaRPr lang="en-US"/>
           </a:p>
@@ -4156,7 +4156,7 @@
           <a:p>
             <a:fld id="{4DE3B8FE-1D2D-49AE-BFC8-FB35E95B8F74}" type="datetimeFigureOut">
               <a:rPr lang="en-US" smtClean="0"/>
-              <a:t>11/17/2024</a:t>
+              <a:t>11/19/2024</a:t>
             </a:fld>
             <a:endParaRPr lang="en-US"/>
           </a:p>
@@ -4439,7 +4439,7 @@
           <a:p>
             <a:fld id="{4DE3B8FE-1D2D-49AE-BFC8-FB35E95B8F74}" type="datetimeFigureOut">
               <a:rPr lang="en-US" smtClean="0"/>
-              <a:t>11/17/2024</a:t>
+              <a:t>11/19/2024</a:t>
             </a:fld>
             <a:endParaRPr lang="en-US"/>
           </a:p>
@@ -4730,7 +4730,7 @@
           <a:p>
             <a:fld id="{4DE3B8FE-1D2D-49AE-BFC8-FB35E95B8F74}" type="datetimeFigureOut">
               <a:rPr lang="en-US" smtClean="0"/>
-              <a:t>11/17/2024</a:t>
+              <a:t>11/19/2024</a:t>
             </a:fld>
             <a:endParaRPr lang="en-US"/>
           </a:p>
@@ -4961,7 +4961,7 @@
           <a:p>
             <a:fld id="{4DE3B8FE-1D2D-49AE-BFC8-FB35E95B8F74}" type="datetimeFigureOut">
               <a:rPr lang="en-US" smtClean="0"/>
-              <a:t>11/17/2024</a:t>
+              <a:t>11/19/2024</a:t>
             </a:fld>
             <a:endParaRPr lang="en-US"/>
           </a:p>
@@ -5891,11 +5891,13 @@
         <p:spPr>
           <a:xfrm>
             <a:off x="243055" y="296780"/>
-            <a:ext cx="10649534" cy="818714"/>
+            <a:ext cx="10649534" cy="573232"/>
           </a:xfrm>
         </p:spPr>
         <p:txBody>
-          <a:bodyPr/>
+          <a:bodyPr>
+            <a:normAutofit fontScale="90000"/>
+          </a:bodyPr>
           <a:lstStyle/>
           <a:p>
             <a:r>
@@ -5930,10 +5932,10 @@
       </p:sp>
       <p:pic>
         <p:nvPicPr>
-          <p:cNvPr id="5" name="Объект 4">
+          <p:cNvPr id="7" name="Объект 6">
             <a:extLst>
               <a:ext uri="{FF2B5EF4-FFF2-40B4-BE49-F238E27FC236}">
-                <a16:creationId xmlns:a16="http://schemas.microsoft.com/office/drawing/2014/main" id="{818E1947-8267-4C14-B0BF-E76F138EDED9}"/>
+                <a16:creationId xmlns:a16="http://schemas.microsoft.com/office/drawing/2014/main" id="{9E1E6642-7ADC-45D3-ADC8-09EB9A2C2087}"/>
               </a:ext>
             </a:extLst>
           </p:cNvPr>
@@ -5958,8 +5960,8 @@
         </p:blipFill>
         <p:spPr>
           <a:xfrm>
-            <a:off x="988477" y="1115493"/>
-            <a:ext cx="10215047" cy="5516126"/>
+            <a:off x="239422" y="870012"/>
+            <a:ext cx="11713157" cy="5761607"/>
           </a:xfrm>
         </p:spPr>
       </p:pic>
@@ -6012,11 +6014,13 @@
         <p:spPr>
           <a:xfrm>
             <a:off x="243055" y="296780"/>
-            <a:ext cx="10649534" cy="818714"/>
+            <a:ext cx="10649534" cy="573232"/>
           </a:xfrm>
         </p:spPr>
         <p:txBody>
-          <a:bodyPr/>
+          <a:bodyPr>
+            <a:normAutofit fontScale="90000"/>
+          </a:bodyPr>
           <a:lstStyle/>
           <a:p>
             <a:r>
@@ -6037,7 +6041,7 @@
                   </a:schemeClr>
                 </a:solidFill>
               </a:rPr>
-              <a:t>ցիկլ</a:t>
+              <a:t>ցիկլեր</a:t>
             </a:r>
             <a:endParaRPr lang="en-US" b="1" dirty="0">
               <a:solidFill>
@@ -6054,7 +6058,7 @@
           <p:cNvPr id="7" name="Объект 6">
             <a:extLst>
               <a:ext uri="{FF2B5EF4-FFF2-40B4-BE49-F238E27FC236}">
-                <a16:creationId xmlns:a16="http://schemas.microsoft.com/office/drawing/2014/main" id="{840F76B1-030B-4AD8-B301-B8A53038BF86}"/>
+                <a16:creationId xmlns:a16="http://schemas.microsoft.com/office/drawing/2014/main" id="{9E1E6642-7ADC-45D3-ADC8-09EB9A2C2087}"/>
               </a:ext>
             </a:extLst>
           </p:cNvPr>
@@ -6073,21 +6077,20 @@
               </a:ext>
             </a:extLst>
           </a:blip>
-          <a:stretch>
-            <a:fillRect/>
-          </a:stretch>
+          <a:srcRect/>
+          <a:stretch/>
         </p:blipFill>
         <p:spPr>
           <a:xfrm>
-            <a:off x="243055" y="1115494"/>
-            <a:ext cx="11705890" cy="5581434"/>
+            <a:off x="239422" y="870012"/>
+            <a:ext cx="11713157" cy="5761606"/>
           </a:xfrm>
         </p:spPr>
       </p:pic>
     </p:spTree>
     <p:extLst>
       <p:ext uri="{BB962C8B-B14F-4D97-AF65-F5344CB8AC3E}">
-        <p14:creationId xmlns:p14="http://schemas.microsoft.com/office/powerpoint/2010/main" val="3472345495"/>
+        <p14:creationId xmlns:p14="http://schemas.microsoft.com/office/powerpoint/2010/main" val="750443236"/>
       </p:ext>
     </p:extLst>
   </p:cSld>
@@ -6132,12 +6135,14 @@
         </p:nvSpPr>
         <p:spPr>
           <a:xfrm>
-            <a:off x="243055" y="296780"/>
-            <a:ext cx="10649534" cy="818714"/>
+            <a:off x="243054" y="296780"/>
+            <a:ext cx="11709523" cy="573232"/>
           </a:xfrm>
         </p:spPr>
         <p:txBody>
-          <a:bodyPr/>
+          <a:bodyPr>
+            <a:normAutofit fontScale="90000"/>
+          </a:bodyPr>
           <a:lstStyle/>
           <a:p>
             <a:r>
@@ -6158,7 +6163,7 @@
                   </a:schemeClr>
                 </a:solidFill>
               </a:rPr>
-              <a:t>ցիկլ</a:t>
+              <a:t>ցիկլեր</a:t>
             </a:r>
             <a:endParaRPr lang="en-US" b="1" dirty="0">
               <a:solidFill>
@@ -6172,10 +6177,10 @@
       </p:sp>
       <p:pic>
         <p:nvPicPr>
-          <p:cNvPr id="6" name="Объект 5">
+          <p:cNvPr id="7" name="Объект 6">
             <a:extLst>
               <a:ext uri="{FF2B5EF4-FFF2-40B4-BE49-F238E27FC236}">
-                <a16:creationId xmlns:a16="http://schemas.microsoft.com/office/drawing/2014/main" id="{F309EC3A-D0AB-4D71-A0D9-8A79147FFF75}"/>
+                <a16:creationId xmlns:a16="http://schemas.microsoft.com/office/drawing/2014/main" id="{9E1E6642-7ADC-45D3-ADC8-09EB9A2C2087}"/>
               </a:ext>
             </a:extLst>
           </p:cNvPr>
@@ -6194,21 +6199,20 @@
               </a:ext>
             </a:extLst>
           </a:blip>
-          <a:stretch>
-            <a:fillRect/>
-          </a:stretch>
+          <a:srcRect/>
+          <a:stretch/>
         </p:blipFill>
         <p:spPr>
           <a:xfrm>
-            <a:off x="243055" y="1115493"/>
-            <a:ext cx="11705890" cy="5593165"/>
+            <a:off x="239423" y="870012"/>
+            <a:ext cx="11713155" cy="5761606"/>
           </a:xfrm>
         </p:spPr>
       </p:pic>
     </p:spTree>
     <p:extLst>
       <p:ext uri="{BB962C8B-B14F-4D97-AF65-F5344CB8AC3E}">
-        <p14:creationId xmlns:p14="http://schemas.microsoft.com/office/powerpoint/2010/main" val="3385608308"/>
+        <p14:creationId xmlns:p14="http://schemas.microsoft.com/office/powerpoint/2010/main" val="36024104"/>
       </p:ext>
     </p:extLst>
   </p:cSld>
@@ -6253,12 +6257,14 @@
         </p:nvSpPr>
         <p:spPr>
           <a:xfrm>
-            <a:off x="243055" y="296780"/>
-            <a:ext cx="10649534" cy="818714"/>
+            <a:off x="243054" y="296780"/>
+            <a:ext cx="11709523" cy="573232"/>
           </a:xfrm>
         </p:spPr>
         <p:txBody>
-          <a:bodyPr/>
+          <a:bodyPr>
+            <a:normAutofit fontScale="90000"/>
+          </a:bodyPr>
           <a:lstStyle/>
           <a:p>
             <a:r>
@@ -6279,7 +6285,7 @@
                   </a:schemeClr>
                 </a:solidFill>
               </a:rPr>
-              <a:t>ցիկլ</a:t>
+              <a:t>ցիկլեր</a:t>
             </a:r>
             <a:endParaRPr lang="en-US" b="1" dirty="0">
               <a:solidFill>
@@ -6296,7 +6302,7 @@
           <p:cNvPr id="7" name="Объект 6">
             <a:extLst>
               <a:ext uri="{FF2B5EF4-FFF2-40B4-BE49-F238E27FC236}">
-                <a16:creationId xmlns:a16="http://schemas.microsoft.com/office/drawing/2014/main" id="{417F84D8-8D2B-43D3-A2F0-43A0F6CAEAA2}"/>
+                <a16:creationId xmlns:a16="http://schemas.microsoft.com/office/drawing/2014/main" id="{9E1E6642-7ADC-45D3-ADC8-09EB9A2C2087}"/>
               </a:ext>
             </a:extLst>
           </p:cNvPr>
@@ -6315,21 +6321,20 @@
               </a:ext>
             </a:extLst>
           </a:blip>
-          <a:stretch>
-            <a:fillRect/>
-          </a:stretch>
+          <a:srcRect/>
+          <a:stretch/>
         </p:blipFill>
         <p:spPr>
           <a:xfrm>
-            <a:off x="243055" y="1115494"/>
-            <a:ext cx="11705890" cy="5551636"/>
+            <a:off x="239423" y="870012"/>
+            <a:ext cx="11713155" cy="5761605"/>
           </a:xfrm>
         </p:spPr>
       </p:pic>
     </p:spTree>
     <p:extLst>
       <p:ext uri="{BB962C8B-B14F-4D97-AF65-F5344CB8AC3E}">
-        <p14:creationId xmlns:p14="http://schemas.microsoft.com/office/powerpoint/2010/main" val="163429215"/>
+        <p14:creationId xmlns:p14="http://schemas.microsoft.com/office/powerpoint/2010/main" val="1250923597"/>
       </p:ext>
     </p:extLst>
   </p:cSld>
@@ -6374,33 +6379,42 @@
         </p:nvSpPr>
         <p:spPr>
           <a:xfrm>
-            <a:off x="243055" y="296780"/>
-            <a:ext cx="10649534" cy="818714"/>
+            <a:off x="243054" y="296780"/>
+            <a:ext cx="11709523" cy="573232"/>
           </a:xfrm>
         </p:spPr>
         <p:txBody>
-          <a:bodyPr/>
+          <a:bodyPr>
+            <a:normAutofit fontScale="90000"/>
+          </a:bodyPr>
           <a:lstStyle/>
           <a:p>
             <a:r>
-              <a:rPr lang="en-US" b="1" dirty="0">
+              <a:rPr lang="hy-AM" b="1" dirty="0">
                 <a:solidFill>
                   <a:schemeClr val="accent4">
                     <a:lumMod val="75000"/>
                   </a:schemeClr>
                 </a:solidFill>
               </a:rPr>
-              <a:t>functions</a:t>
-            </a:r>
+              <a:t>ֆունկցիա, անանուն ֆունկցիա</a:t>
+            </a:r>
+            <a:endParaRPr lang="en-US" b="1" dirty="0">
+              <a:solidFill>
+                <a:schemeClr val="accent4">
+                  <a:lumMod val="75000"/>
+                </a:schemeClr>
+              </a:solidFill>
+            </a:endParaRPr>
           </a:p>
         </p:txBody>
       </p:sp>
       <p:pic>
         <p:nvPicPr>
-          <p:cNvPr id="6" name="Объект 5">
+          <p:cNvPr id="7" name="Объект 6">
             <a:extLst>
               <a:ext uri="{FF2B5EF4-FFF2-40B4-BE49-F238E27FC236}">
-                <a16:creationId xmlns:a16="http://schemas.microsoft.com/office/drawing/2014/main" id="{4B78BBBC-D7E1-44BD-BC17-A293D92777F9}"/>
+                <a16:creationId xmlns:a16="http://schemas.microsoft.com/office/drawing/2014/main" id="{9E1E6642-7ADC-45D3-ADC8-09EB9A2C2087}"/>
               </a:ext>
             </a:extLst>
           </p:cNvPr>
@@ -6419,21 +6433,20 @@
               </a:ext>
             </a:extLst>
           </a:blip>
-          <a:stretch>
-            <a:fillRect/>
-          </a:stretch>
+          <a:srcRect/>
+          <a:stretch/>
         </p:blipFill>
         <p:spPr>
           <a:xfrm>
-            <a:off x="243055" y="1115494"/>
-            <a:ext cx="11705890" cy="5587300"/>
+            <a:off x="239424" y="870012"/>
+            <a:ext cx="11713153" cy="5761605"/>
           </a:xfrm>
         </p:spPr>
       </p:pic>
     </p:spTree>
     <p:extLst>
       <p:ext uri="{BB962C8B-B14F-4D97-AF65-F5344CB8AC3E}">
-        <p14:creationId xmlns:p14="http://schemas.microsoft.com/office/powerpoint/2010/main" val="2546709335"/>
+        <p14:creationId xmlns:p14="http://schemas.microsoft.com/office/powerpoint/2010/main" val="3752162347"/>
       </p:ext>
     </p:extLst>
   </p:cSld>
@@ -6478,24 +6491,33 @@
         </p:nvSpPr>
         <p:spPr>
           <a:xfrm>
-            <a:off x="243055" y="296780"/>
-            <a:ext cx="10649534" cy="818714"/>
+            <a:off x="243054" y="296780"/>
+            <a:ext cx="11709523" cy="573232"/>
           </a:xfrm>
         </p:spPr>
         <p:txBody>
-          <a:bodyPr/>
+          <a:bodyPr>
+            <a:normAutofit fontScale="90000"/>
+          </a:bodyPr>
           <a:lstStyle/>
           <a:p>
             <a:r>
-              <a:rPr lang="en-US" b="1" dirty="0">
+              <a:rPr lang="hy-AM" b="1" dirty="0">
                 <a:solidFill>
                   <a:schemeClr val="accent4">
                     <a:lumMod val="75000"/>
                   </a:schemeClr>
                 </a:solidFill>
               </a:rPr>
-              <a:t>Recursive functions</a:t>
-            </a:r>
+              <a:t>ռեկուրսիվ ֆունկցիա, անմիջապես կանչվող ֆունկցիա</a:t>
+            </a:r>
+            <a:endParaRPr lang="en-US" b="1" dirty="0">
+              <a:solidFill>
+                <a:schemeClr val="accent4">
+                  <a:lumMod val="75000"/>
+                </a:schemeClr>
+              </a:solidFill>
+            </a:endParaRPr>
           </a:p>
         </p:txBody>
       </p:sp>
@@ -6504,7 +6526,7 @@
           <p:cNvPr id="7" name="Объект 6">
             <a:extLst>
               <a:ext uri="{FF2B5EF4-FFF2-40B4-BE49-F238E27FC236}">
-                <a16:creationId xmlns:a16="http://schemas.microsoft.com/office/drawing/2014/main" id="{068C474F-5167-4502-9D77-D186C306F0F3}"/>
+                <a16:creationId xmlns:a16="http://schemas.microsoft.com/office/drawing/2014/main" id="{9E1E6642-7ADC-45D3-ADC8-09EB9A2C2087}"/>
               </a:ext>
             </a:extLst>
           </p:cNvPr>
@@ -6523,21 +6545,20 @@
               </a:ext>
             </a:extLst>
           </a:blip>
-          <a:stretch>
-            <a:fillRect/>
-          </a:stretch>
+          <a:srcRect/>
+          <a:stretch/>
         </p:blipFill>
         <p:spPr>
           <a:xfrm>
-            <a:off x="243055" y="1115493"/>
-            <a:ext cx="11705890" cy="5546243"/>
+            <a:off x="239424" y="870012"/>
+            <a:ext cx="11713153" cy="5761604"/>
           </a:xfrm>
         </p:spPr>
       </p:pic>
     </p:spTree>
     <p:extLst>
       <p:ext uri="{BB962C8B-B14F-4D97-AF65-F5344CB8AC3E}">
-        <p14:creationId xmlns:p14="http://schemas.microsoft.com/office/powerpoint/2010/main" val="1785535224"/>
+        <p14:creationId xmlns:p14="http://schemas.microsoft.com/office/powerpoint/2010/main" val="4225910306"/>
       </p:ext>
     </p:extLst>
   </p:cSld>
@@ -6582,8 +6603,8 @@
         </p:nvSpPr>
         <p:spPr>
           <a:xfrm>
-            <a:off x="243055" y="296780"/>
-            <a:ext cx="10649534" cy="818714"/>
+            <a:off x="243054" y="296780"/>
+            <a:ext cx="11709523" cy="573232"/>
           </a:xfrm>
         </p:spPr>
         <p:txBody>
@@ -6614,10 +6635,10 @@
       </p:sp>
       <p:pic>
         <p:nvPicPr>
-          <p:cNvPr id="6" name="Объект 5">
+          <p:cNvPr id="7" name="Объект 6">
             <a:extLst>
               <a:ext uri="{FF2B5EF4-FFF2-40B4-BE49-F238E27FC236}">
-                <a16:creationId xmlns:a16="http://schemas.microsoft.com/office/drawing/2014/main" id="{48C41C3C-AC17-4D99-BA82-301E97C9A9AF}"/>
+                <a16:creationId xmlns:a16="http://schemas.microsoft.com/office/drawing/2014/main" id="{9E1E6642-7ADC-45D3-ADC8-09EB9A2C2087}"/>
               </a:ext>
             </a:extLst>
           </p:cNvPr>
@@ -6636,21 +6657,20 @@
               </a:ext>
             </a:extLst>
           </a:blip>
-          <a:stretch>
-            <a:fillRect/>
-          </a:stretch>
+          <a:srcRect/>
+          <a:stretch/>
         </p:blipFill>
         <p:spPr>
           <a:xfrm>
-            <a:off x="243055" y="1115494"/>
-            <a:ext cx="11705890" cy="5528648"/>
+            <a:off x="239425" y="870012"/>
+            <a:ext cx="11713151" cy="5761604"/>
           </a:xfrm>
         </p:spPr>
       </p:pic>
     </p:spTree>
     <p:extLst>
       <p:ext uri="{BB962C8B-B14F-4D97-AF65-F5344CB8AC3E}">
-        <p14:creationId xmlns:p14="http://schemas.microsoft.com/office/powerpoint/2010/main" val="788633922"/>
+        <p14:creationId xmlns:p14="http://schemas.microsoft.com/office/powerpoint/2010/main" val="574271522"/>
       </p:ext>
     </p:extLst>
   </p:cSld>
